--- a/public/doc/SchoolJournal_Presentation_Template_v3.pptx
+++ b/public/doc/SchoolJournal_Presentation_Template_v3.pptx
@@ -315,7 +315,7 @@
           <a:p>
             <a:fld id="{5BCAD085-E8A6-8845-BD4E-CB4CCA059FC4}" type="datetimeFigureOut">
               <a:rPr lang="en-US" smtClean="0"/>
-              <a:t>10/29/2025</a:t>
+              <a:t>10/30/2025</a:t>
             </a:fld>
             <a:endParaRPr lang="en-US"/>
           </a:p>
@@ -483,7 +483,7 @@
           <a:p>
             <a:fld id="{5BCAD085-E8A6-8845-BD4E-CB4CCA059FC4}" type="datetimeFigureOut">
               <a:rPr lang="en-US" smtClean="0"/>
-              <a:t>10/29/2025</a:t>
+              <a:t>10/30/2025</a:t>
             </a:fld>
             <a:endParaRPr lang="en-US"/>
           </a:p>
@@ -661,7 +661,7 @@
           <a:p>
             <a:fld id="{5BCAD085-E8A6-8845-BD4E-CB4CCA059FC4}" type="datetimeFigureOut">
               <a:rPr lang="en-US" smtClean="0"/>
-              <a:t>10/29/2025</a:t>
+              <a:t>10/30/2025</a:t>
             </a:fld>
             <a:endParaRPr lang="en-US"/>
           </a:p>
@@ -829,7 +829,7 @@
           <a:p>
             <a:fld id="{5BCAD085-E8A6-8845-BD4E-CB4CCA059FC4}" type="datetimeFigureOut">
               <a:rPr lang="en-US" smtClean="0"/>
-              <a:t>10/29/2025</a:t>
+              <a:t>10/30/2025</a:t>
             </a:fld>
             <a:endParaRPr lang="en-US"/>
           </a:p>
@@ -1074,7 +1074,7 @@
           <a:p>
             <a:fld id="{5BCAD085-E8A6-8845-BD4E-CB4CCA059FC4}" type="datetimeFigureOut">
               <a:rPr lang="en-US" smtClean="0"/>
-              <a:t>10/29/2025</a:t>
+              <a:t>10/30/2025</a:t>
             </a:fld>
             <a:endParaRPr lang="en-US"/>
           </a:p>
@@ -1359,7 +1359,7 @@
           <a:p>
             <a:fld id="{5BCAD085-E8A6-8845-BD4E-CB4CCA059FC4}" type="datetimeFigureOut">
               <a:rPr lang="en-US" smtClean="0"/>
-              <a:t>10/29/2025</a:t>
+              <a:t>10/30/2025</a:t>
             </a:fld>
             <a:endParaRPr lang="en-US"/>
           </a:p>
@@ -1778,7 +1778,7 @@
           <a:p>
             <a:fld id="{5BCAD085-E8A6-8845-BD4E-CB4CCA059FC4}" type="datetimeFigureOut">
               <a:rPr lang="en-US" smtClean="0"/>
-              <a:t>10/29/2025</a:t>
+              <a:t>10/30/2025</a:t>
             </a:fld>
             <a:endParaRPr lang="en-US"/>
           </a:p>
@@ -1895,7 +1895,7 @@
           <a:p>
             <a:fld id="{5BCAD085-E8A6-8845-BD4E-CB4CCA059FC4}" type="datetimeFigureOut">
               <a:rPr lang="en-US" smtClean="0"/>
-              <a:t>10/29/2025</a:t>
+              <a:t>10/30/2025</a:t>
             </a:fld>
             <a:endParaRPr lang="en-US"/>
           </a:p>
@@ -1990,7 +1990,7 @@
           <a:p>
             <a:fld id="{5BCAD085-E8A6-8845-BD4E-CB4CCA059FC4}" type="datetimeFigureOut">
               <a:rPr lang="en-US" smtClean="0"/>
-              <a:t>10/29/2025</a:t>
+              <a:t>10/30/2025</a:t>
             </a:fld>
             <a:endParaRPr lang="en-US"/>
           </a:p>
@@ -2265,7 +2265,7 @@
           <a:p>
             <a:fld id="{5BCAD085-E8A6-8845-BD4E-CB4CCA059FC4}" type="datetimeFigureOut">
               <a:rPr lang="en-US" smtClean="0"/>
-              <a:t>10/29/2025</a:t>
+              <a:t>10/30/2025</a:t>
             </a:fld>
             <a:endParaRPr lang="en-US"/>
           </a:p>
@@ -2517,7 +2517,7 @@
           <a:p>
             <a:fld id="{5BCAD085-E8A6-8845-BD4E-CB4CCA059FC4}" type="datetimeFigureOut">
               <a:rPr lang="en-US" smtClean="0"/>
-              <a:t>10/29/2025</a:t>
+              <a:t>10/30/2025</a:t>
             </a:fld>
             <a:endParaRPr lang="en-US"/>
           </a:p>
@@ -2728,7 +2728,7 @@
           <a:p>
             <a:fld id="{5BCAD085-E8A6-8845-BD4E-CB4CCA059FC4}" type="datetimeFigureOut">
               <a:rPr lang="en-US" smtClean="0"/>
-              <a:t>10/29/2025</a:t>
+              <a:t>10/30/2025</a:t>
             </a:fld>
             <a:endParaRPr lang="en-US"/>
           </a:p>
@@ -3418,176 +3418,6 @@
       </p:grpSpPr>
       <p:sp>
         <p:nvSpPr>
-          <p:cNvPr id="3" name="TextBox 2"/>
-          <p:cNvSpPr txBox="1"/>
-          <p:nvPr/>
-        </p:nvSpPr>
-        <p:spPr>
-          <a:xfrm>
-            <a:off x="914400" y="1645920"/>
-            <a:ext cx="6561861" cy="1985159"/>
-          </a:xfrm>
-          <a:prstGeom prst="rect">
-            <a:avLst/>
-          </a:prstGeom>
-          <a:noFill/>
-        </p:spPr>
-        <p:txBody>
-          <a:bodyPr wrap="none">
-            <a:spAutoFit/>
-          </a:bodyPr>
-          <a:lstStyle/>
-          <a:p>
-            <a:endParaRPr dirty="0">
-              <a:latin typeface="MS P"/>
-            </a:endParaRPr>
-          </a:p>
-          <a:p>
-            <a:pPr>
-              <a:spcAft>
-                <a:spcPts val="1000"/>
-              </a:spcAft>
-              <a:defRPr sz="2000">
-                <a:latin typeface="メイリオ"/>
-              </a:defRPr>
-            </a:pPr>
-            <a:r>
-              <a:rPr dirty="0">
-                <a:latin typeface="MS P"/>
-              </a:rPr>
-              <a:t>・</a:t>
-            </a:r>
-            <a:r>
-              <a:rPr dirty="0" err="1">
-                <a:latin typeface="MS P"/>
-              </a:rPr>
-              <a:t>Chart.jsによる提出率・平均体調・メンタルの可視化</a:t>
-            </a:r>
-            <a:endParaRPr dirty="0">
-              <a:latin typeface="MS P"/>
-            </a:endParaRPr>
-          </a:p>
-          <a:p>
-            <a:pPr>
-              <a:spcAft>
-                <a:spcPts val="1000"/>
-              </a:spcAft>
-              <a:defRPr sz="2000">
-                <a:latin typeface="メイリオ"/>
-              </a:defRPr>
-            </a:pPr>
-            <a:r>
-              <a:rPr dirty="0">
-                <a:latin typeface="MS P"/>
-              </a:rPr>
-              <a:t>・</a:t>
-            </a:r>
-            <a:r>
-              <a:rPr dirty="0" err="1">
-                <a:latin typeface="MS P"/>
-              </a:rPr>
-              <a:t>提出済</a:t>
-            </a:r>
-            <a:r>
-              <a:rPr dirty="0">
-                <a:latin typeface="MS P"/>
-              </a:rPr>
-              <a:t>/</a:t>
-            </a:r>
-            <a:r>
-              <a:rPr dirty="0" err="1">
-                <a:latin typeface="MS P"/>
-              </a:rPr>
-              <a:t>未提出を自動判定して担任の負担を軽減</a:t>
-            </a:r>
-            <a:endParaRPr dirty="0">
-              <a:latin typeface="MS P"/>
-            </a:endParaRPr>
-          </a:p>
-          <a:p>
-            <a:pPr>
-              <a:spcAft>
-                <a:spcPts val="1000"/>
-              </a:spcAft>
-              <a:defRPr sz="2000">
-                <a:latin typeface="メイリオ"/>
-              </a:defRPr>
-            </a:pPr>
-            <a:r>
-              <a:rPr dirty="0">
-                <a:latin typeface="MS P"/>
-              </a:rPr>
-              <a:t>・PDF/</a:t>
-            </a:r>
-            <a:r>
-              <a:rPr dirty="0" err="1">
-                <a:latin typeface="MS P"/>
-              </a:rPr>
-              <a:t>CSV</a:t>
-            </a:r>
-            <a:r>
-              <a:rPr lang="en-US" dirty="0" err="1">
-                <a:latin typeface="MS P"/>
-              </a:rPr>
-              <a:t>エクスポート</a:t>
-            </a:r>
-            <a:r>
-              <a:rPr dirty="0" err="1">
-                <a:latin typeface="MS P"/>
-              </a:rPr>
-              <a:t>によるデータ活用</a:t>
-            </a:r>
-            <a:endParaRPr dirty="0">
-              <a:latin typeface="MS P"/>
-            </a:endParaRPr>
-          </a:p>
-          <a:p>
-            <a:pPr>
-              <a:spcAft>
-                <a:spcPts val="1000"/>
-              </a:spcAft>
-              <a:defRPr sz="2000">
-                <a:latin typeface="メイリオ"/>
-              </a:defRPr>
-            </a:pPr>
-            <a:r>
-              <a:rPr dirty="0">
-                <a:latin typeface="MS P"/>
-              </a:rPr>
-              <a:t>・</a:t>
-            </a:r>
-            <a:r>
-              <a:rPr dirty="0" err="1">
-                <a:latin typeface="MS P"/>
-              </a:rPr>
-              <a:t>シンプルなUIで学校配布PC</a:t>
-            </a:r>
-            <a:r>
-              <a:rPr lang="ja-JP" altLang="en-US" dirty="0">
-                <a:latin typeface="MS P"/>
-              </a:rPr>
-              <a:t>・</a:t>
-            </a:r>
-            <a:r>
-              <a:rPr lang="en-US" altLang="ja-JP" dirty="0" err="1">
-                <a:latin typeface="MS P"/>
-              </a:rPr>
-              <a:t>iOS</a:t>
-            </a:r>
-            <a:r>
-              <a:rPr dirty="0" err="1">
-                <a:latin typeface="MS P"/>
-              </a:rPr>
-              <a:t>でも快適動作</a:t>
-            </a:r>
-            <a:endParaRPr dirty="0">
-              <a:latin typeface="MS P"/>
-            </a:endParaRPr>
-          </a:p>
-        </p:txBody>
-      </p:sp>
-      <p:sp>
-        <p:nvSpPr>
           <p:cNvPr id="4" name="テキスト ボックス 3">
             <a:extLst>
               <a:ext uri="{FF2B5EF4-FFF2-40B4-BE49-F238E27FC236}">
@@ -3600,7 +3430,7 @@
         </p:nvSpPr>
         <p:spPr>
           <a:xfrm>
-            <a:off x="2137845" y="771013"/>
+            <a:off x="2137845" y="484783"/>
             <a:ext cx="5193792" cy="769441"/>
           </a:xfrm>
           <a:prstGeom prst="rect">
@@ -3617,6 +3447,471 @@
             <a:r>
               <a:rPr lang="ja-JP" altLang="en-US" sz="4400" dirty="0"/>
               <a:t>課題①の工夫点</a:t>
+            </a:r>
+          </a:p>
+        </p:txBody>
+      </p:sp>
+      <p:sp>
+        <p:nvSpPr>
+          <p:cNvPr id="5" name="Rectangle 2">
+            <a:extLst>
+              <a:ext uri="{FF2B5EF4-FFF2-40B4-BE49-F238E27FC236}">
+                <a16:creationId xmlns:a16="http://schemas.microsoft.com/office/drawing/2014/main" id="{CD2A2C98-5C96-901C-87FA-ADF40EAEDAB1}"/>
+              </a:ext>
+            </a:extLst>
+          </p:cNvPr>
+          <p:cNvSpPr>
+            <a:spLocks noChangeArrowheads="1"/>
+          </p:cNvSpPr>
+          <p:nvPr/>
+        </p:nvSpPr>
+        <p:spPr bwMode="auto">
+          <a:xfrm>
+            <a:off x="348915" y="1254224"/>
+            <a:ext cx="8217569" cy="5355312"/>
+          </a:xfrm>
+          <a:prstGeom prst="rect">
+            <a:avLst/>
+          </a:prstGeom>
+          <a:noFill/>
+          <a:ln>
+            <a:noFill/>
+          </a:ln>
+          <a:effectLst/>
+          <a:extLst>
+            <a:ext uri="{909E8E84-426E-40DD-AFC4-6F175D3DCCD1}">
+              <a14:hiddenFill xmlns:a14="http://schemas.microsoft.com/office/drawing/2010/main">
+                <a:solidFill>
+                  <a:schemeClr val="accent1"/>
+                </a:solidFill>
+              </a14:hiddenFill>
+            </a:ext>
+            <a:ext uri="{91240B29-F687-4F45-9708-019B960494DF}">
+              <a14:hiddenLine xmlns:a14="http://schemas.microsoft.com/office/drawing/2010/main" w="9525">
+                <a:solidFill>
+                  <a:schemeClr val="tx1"/>
+                </a:solidFill>
+                <a:miter lim="800000"/>
+                <a:headEnd/>
+                <a:tailEnd/>
+              </a14:hiddenLine>
+            </a:ext>
+            <a:ext uri="{AF507438-7753-43E0-B8FC-AC1667EBCBE1}">
+              <a14:hiddenEffects xmlns:a14="http://schemas.microsoft.com/office/drawing/2010/main">
+                <a:effectLst>
+                  <a:outerShdw dist="35921" dir="2700000" algn="ctr" rotWithShape="0">
+                    <a:schemeClr val="bg2"/>
+                  </a:outerShdw>
+                </a:effectLst>
+              </a14:hiddenEffects>
+            </a:ext>
+          </a:extLst>
+        </p:spPr>
+        <p:txBody>
+          <a:bodyPr vert="horz" wrap="square" lIns="91440" tIns="45720" rIns="91440" bIns="45720" numCol="1" anchor="ctr" anchorCtr="0" compatLnSpc="1">
+            <a:prstTxWarp prst="textNoShape">
+              <a:avLst/>
+            </a:prstTxWarp>
+            <a:spAutoFit/>
+          </a:bodyPr>
+          <a:lstStyle/>
+          <a:p>
+            <a:pPr marL="0" marR="0" lvl="0" indent="0" algn="l" defTabSz="914400" rtl="0" eaLnBrk="0" fontAlgn="base" latinLnBrk="0" hangingPunct="0">
+              <a:lnSpc>
+                <a:spcPct val="100000"/>
+              </a:lnSpc>
+              <a:spcBef>
+                <a:spcPct val="0"/>
+              </a:spcBef>
+              <a:spcAft>
+                <a:spcPct val="0"/>
+              </a:spcAft>
+              <a:buClrTx/>
+              <a:buSzTx/>
+              <a:buFontTx/>
+              <a:buChar char="•"/>
+              <a:tabLst/>
+            </a:pPr>
+            <a:r>
+              <a:rPr kumimoji="0" lang="ja-JP" altLang="ja-JP" sz="1800" b="1" i="0" u="none" strike="noStrike" cap="none" normalizeH="0" baseline="0" dirty="0">
+                <a:ln>
+                  <a:noFill/>
+                </a:ln>
+                <a:solidFill>
+                  <a:schemeClr val="tx1"/>
+                </a:solidFill>
+                <a:effectLst/>
+                <a:latin typeface="Arial" panose="020B0604020202020204" pitchFamily="34" charset="0"/>
+              </a:rPr>
+              <a:t>Chart.jsによる提出率・平均体調・メンタルの可視化</a:t>
+            </a:r>
+            <a:br>
+              <a:rPr kumimoji="0" lang="ja-JP" altLang="ja-JP" sz="1800" b="0" i="0" u="none" strike="noStrike" cap="none" normalizeH="0" baseline="0" dirty="0">
+                <a:ln>
+                  <a:noFill/>
+                </a:ln>
+                <a:solidFill>
+                  <a:schemeClr val="tx1"/>
+                </a:solidFill>
+                <a:effectLst/>
+                <a:latin typeface="Arial" panose="020B0604020202020204" pitchFamily="34" charset="0"/>
+              </a:rPr>
+            </a:br>
+            <a:r>
+              <a:rPr kumimoji="0" lang="ja-JP" altLang="ja-JP" sz="1800" b="0" i="0" u="none" strike="noStrike" cap="none" normalizeH="0" baseline="0" dirty="0">
+                <a:ln>
+                  <a:noFill/>
+                </a:ln>
+                <a:solidFill>
+                  <a:schemeClr val="tx1"/>
+                </a:solidFill>
+                <a:effectLst/>
+                <a:latin typeface="Arial" panose="020B0604020202020204" pitchFamily="34" charset="0"/>
+              </a:rPr>
+              <a:t>　生徒ごとの提出状況をグラフ化し、担任が一目でクラス全体の傾向を把握できるようにした。</a:t>
+            </a:r>
+            <a:br>
+              <a:rPr kumimoji="0" lang="ja-JP" altLang="ja-JP" sz="1800" b="0" i="0" u="none" strike="noStrike" cap="none" normalizeH="0" baseline="0" dirty="0">
+                <a:ln>
+                  <a:noFill/>
+                </a:ln>
+                <a:solidFill>
+                  <a:schemeClr val="tx1"/>
+                </a:solidFill>
+                <a:effectLst/>
+                <a:latin typeface="Arial" panose="020B0604020202020204" pitchFamily="34" charset="0"/>
+              </a:rPr>
+            </a:br>
+            <a:r>
+              <a:rPr kumimoji="0" lang="ja-JP" altLang="ja-JP" sz="1800" b="0" i="0" u="none" strike="noStrike" cap="none" normalizeH="0" baseline="0" dirty="0">
+                <a:ln>
+                  <a:noFill/>
+                </a:ln>
+                <a:solidFill>
+                  <a:schemeClr val="tx1"/>
+                </a:solidFill>
+                <a:effectLst/>
+                <a:latin typeface="Arial" panose="020B0604020202020204" pitchFamily="34" charset="0"/>
+              </a:rPr>
+              <a:t>　グラフは提出率（棒グラフ）と平均体調・メンタル（折れ線グラフ）を同時に表示し、</a:t>
+            </a:r>
+            <a:br>
+              <a:rPr kumimoji="0" lang="ja-JP" altLang="ja-JP" sz="1800" b="0" i="0" u="none" strike="noStrike" cap="none" normalizeH="0" baseline="0" dirty="0">
+                <a:ln>
+                  <a:noFill/>
+                </a:ln>
+                <a:solidFill>
+                  <a:schemeClr val="tx1"/>
+                </a:solidFill>
+                <a:effectLst/>
+                <a:latin typeface="Arial" panose="020B0604020202020204" pitchFamily="34" charset="0"/>
+              </a:rPr>
+            </a:br>
+            <a:r>
+              <a:rPr kumimoji="0" lang="ja-JP" altLang="ja-JP" sz="1800" b="0" i="0" u="none" strike="noStrike" cap="none" normalizeH="0" baseline="0" dirty="0">
+                <a:ln>
+                  <a:noFill/>
+                </a:ln>
+                <a:solidFill>
+                  <a:schemeClr val="tx1"/>
+                </a:solidFill>
+                <a:effectLst/>
+                <a:latin typeface="Arial" panose="020B0604020202020204" pitchFamily="34" charset="0"/>
+              </a:rPr>
+              <a:t>　過去との比較分析にも対応。視覚的なフィードバックにより、未提出者の早期発見を可能にした。</a:t>
+            </a:r>
+          </a:p>
+          <a:p>
+            <a:pPr marL="0" marR="0" lvl="0" indent="0" algn="l" defTabSz="914400" rtl="0" eaLnBrk="0" fontAlgn="base" latinLnBrk="0" hangingPunct="0">
+              <a:lnSpc>
+                <a:spcPct val="100000"/>
+              </a:lnSpc>
+              <a:spcBef>
+                <a:spcPct val="0"/>
+              </a:spcBef>
+              <a:spcAft>
+                <a:spcPct val="0"/>
+              </a:spcAft>
+              <a:buClrTx/>
+              <a:buSzTx/>
+              <a:buFontTx/>
+              <a:buChar char="•"/>
+              <a:tabLst/>
+            </a:pPr>
+            <a:r>
+              <a:rPr kumimoji="0" lang="ja-JP" altLang="ja-JP" sz="1800" b="1" i="0" u="none" strike="noStrike" cap="none" normalizeH="0" baseline="0" dirty="0">
+                <a:ln>
+                  <a:noFill/>
+                </a:ln>
+                <a:solidFill>
+                  <a:schemeClr val="tx1"/>
+                </a:solidFill>
+                <a:effectLst/>
+                <a:latin typeface="Arial" panose="020B0604020202020204" pitchFamily="34" charset="0"/>
+              </a:rPr>
+              <a:t>提出済／未提出の自動判定による担任負担軽減</a:t>
+            </a:r>
+            <a:br>
+              <a:rPr kumimoji="0" lang="ja-JP" altLang="ja-JP" sz="1800" b="0" i="0" u="none" strike="noStrike" cap="none" normalizeH="0" baseline="0" dirty="0">
+                <a:ln>
+                  <a:noFill/>
+                </a:ln>
+                <a:solidFill>
+                  <a:schemeClr val="tx1"/>
+                </a:solidFill>
+                <a:effectLst/>
+                <a:latin typeface="Arial" panose="020B0604020202020204" pitchFamily="34" charset="0"/>
+              </a:rPr>
+            </a:br>
+            <a:r>
+              <a:rPr kumimoji="0" lang="ja-JP" altLang="ja-JP" sz="1800" b="0" i="0" u="none" strike="noStrike" cap="none" normalizeH="0" baseline="0" dirty="0">
+                <a:ln>
+                  <a:noFill/>
+                </a:ln>
+                <a:solidFill>
+                  <a:schemeClr val="tx1"/>
+                </a:solidFill>
+                <a:effectLst/>
+                <a:latin typeface="Arial" panose="020B0604020202020204" pitchFamily="34" charset="0"/>
+              </a:rPr>
+              <a:t>　提出データを自動判定し、未提出者をリアルタイムに抽出。</a:t>
+            </a:r>
+            <a:br>
+              <a:rPr kumimoji="0" lang="ja-JP" altLang="ja-JP" sz="1800" b="0" i="0" u="none" strike="noStrike" cap="none" normalizeH="0" baseline="0" dirty="0">
+                <a:ln>
+                  <a:noFill/>
+                </a:ln>
+                <a:solidFill>
+                  <a:schemeClr val="tx1"/>
+                </a:solidFill>
+                <a:effectLst/>
+                <a:latin typeface="Arial" panose="020B0604020202020204" pitchFamily="34" charset="0"/>
+              </a:rPr>
+            </a:br>
+            <a:r>
+              <a:rPr kumimoji="0" lang="ja-JP" altLang="ja-JP" sz="1800" b="0" i="0" u="none" strike="noStrike" cap="none" normalizeH="0" baseline="0" dirty="0">
+                <a:ln>
+                  <a:noFill/>
+                </a:ln>
+                <a:solidFill>
+                  <a:schemeClr val="tx1"/>
+                </a:solidFill>
+                <a:effectLst/>
+                <a:latin typeface="Arial" panose="020B0604020202020204" pitchFamily="34" charset="0"/>
+              </a:rPr>
+              <a:t>　これにより、担任による手作業チェックを不要化し、</a:t>
+            </a:r>
+            <a:br>
+              <a:rPr kumimoji="0" lang="ja-JP" altLang="ja-JP" sz="1800" b="0" i="0" u="none" strike="noStrike" cap="none" normalizeH="0" baseline="0" dirty="0">
+                <a:ln>
+                  <a:noFill/>
+                </a:ln>
+                <a:solidFill>
+                  <a:schemeClr val="tx1"/>
+                </a:solidFill>
+                <a:effectLst/>
+                <a:latin typeface="Arial" panose="020B0604020202020204" pitchFamily="34" charset="0"/>
+              </a:rPr>
+            </a:br>
+            <a:r>
+              <a:rPr kumimoji="0" lang="ja-JP" altLang="ja-JP" sz="1800" b="0" i="0" u="none" strike="noStrike" cap="none" normalizeH="0" baseline="0" dirty="0">
+                <a:ln>
+                  <a:noFill/>
+                </a:ln>
+                <a:solidFill>
+                  <a:schemeClr val="tx1"/>
+                </a:solidFill>
+                <a:effectLst/>
+                <a:latin typeface="Arial" panose="020B0604020202020204" pitchFamily="34" charset="0"/>
+              </a:rPr>
+              <a:t>　「誰が未提出か」を瞬時に確認できる管理UIを実装した。</a:t>
+            </a:r>
+          </a:p>
+          <a:p>
+            <a:pPr marL="0" marR="0" lvl="0" indent="0" algn="l" defTabSz="914400" rtl="0" eaLnBrk="0" fontAlgn="base" latinLnBrk="0" hangingPunct="0">
+              <a:lnSpc>
+                <a:spcPct val="100000"/>
+              </a:lnSpc>
+              <a:spcBef>
+                <a:spcPct val="0"/>
+              </a:spcBef>
+              <a:spcAft>
+                <a:spcPct val="0"/>
+              </a:spcAft>
+              <a:buClrTx/>
+              <a:buSzTx/>
+              <a:buFontTx/>
+              <a:buChar char="•"/>
+              <a:tabLst/>
+            </a:pPr>
+            <a:r>
+              <a:rPr kumimoji="0" lang="ja-JP" altLang="ja-JP" sz="1800" b="1" i="0" u="none" strike="noStrike" cap="none" normalizeH="0" baseline="0" dirty="0">
+                <a:ln>
+                  <a:noFill/>
+                </a:ln>
+                <a:solidFill>
+                  <a:schemeClr val="tx1"/>
+                </a:solidFill>
+                <a:effectLst/>
+                <a:latin typeface="Arial" panose="020B0604020202020204" pitchFamily="34" charset="0"/>
+              </a:rPr>
+              <a:t>PDF／CSVエクスポート機能によるデータ活用</a:t>
+            </a:r>
+            <a:br>
+              <a:rPr kumimoji="0" lang="ja-JP" altLang="ja-JP" sz="1800" b="0" i="0" u="none" strike="noStrike" cap="none" normalizeH="0" baseline="0" dirty="0">
+                <a:ln>
+                  <a:noFill/>
+                </a:ln>
+                <a:solidFill>
+                  <a:schemeClr val="tx1"/>
+                </a:solidFill>
+                <a:effectLst/>
+                <a:latin typeface="Arial" panose="020B0604020202020204" pitchFamily="34" charset="0"/>
+              </a:rPr>
+            </a:br>
+            <a:r>
+              <a:rPr kumimoji="0" lang="ja-JP" altLang="ja-JP" sz="1800" b="0" i="0" u="none" strike="noStrike" cap="none" normalizeH="0" baseline="0" dirty="0">
+                <a:ln>
+                  <a:noFill/>
+                </a:ln>
+                <a:solidFill>
+                  <a:schemeClr val="tx1"/>
+                </a:solidFill>
+                <a:effectLst/>
+                <a:latin typeface="Arial" panose="020B0604020202020204" pitchFamily="34" charset="0"/>
+              </a:rPr>
+              <a:t>　担任や管理者が記録データをワンクリックでPDF・CSV形式に出力できるよう設計。</a:t>
+            </a:r>
+            <a:br>
+              <a:rPr kumimoji="0" lang="ja-JP" altLang="ja-JP" sz="1800" b="0" i="0" u="none" strike="noStrike" cap="none" normalizeH="0" baseline="0" dirty="0">
+                <a:ln>
+                  <a:noFill/>
+                </a:ln>
+                <a:solidFill>
+                  <a:schemeClr val="tx1"/>
+                </a:solidFill>
+                <a:effectLst/>
+                <a:latin typeface="Arial" panose="020B0604020202020204" pitchFamily="34" charset="0"/>
+              </a:rPr>
+            </a:br>
+            <a:r>
+              <a:rPr kumimoji="0" lang="ja-JP" altLang="ja-JP" sz="1800" b="0" i="0" u="none" strike="noStrike" cap="none" normalizeH="0" baseline="0" dirty="0">
+                <a:ln>
+                  <a:noFill/>
+                </a:ln>
+                <a:solidFill>
+                  <a:schemeClr val="tx1"/>
+                </a:solidFill>
+                <a:effectLst/>
+                <a:latin typeface="Arial" panose="020B0604020202020204" pitchFamily="34" charset="0"/>
+              </a:rPr>
+              <a:t>　校内会議や健康相談資料として共有できるようにし、実運用を想定したデータ出力を実現。</a:t>
+            </a:r>
+          </a:p>
+          <a:p>
+            <a:pPr marL="0" marR="0" lvl="0" indent="0" algn="l" defTabSz="914400" rtl="0" eaLnBrk="0" fontAlgn="base" latinLnBrk="0" hangingPunct="0">
+              <a:lnSpc>
+                <a:spcPct val="100000"/>
+              </a:lnSpc>
+              <a:spcBef>
+                <a:spcPct val="0"/>
+              </a:spcBef>
+              <a:spcAft>
+                <a:spcPct val="0"/>
+              </a:spcAft>
+              <a:buClrTx/>
+              <a:buSzTx/>
+              <a:buFontTx/>
+              <a:buChar char="•"/>
+              <a:tabLst/>
+            </a:pPr>
+            <a:r>
+              <a:rPr kumimoji="0" lang="ja-JP" altLang="ja-JP" sz="1800" b="1" i="0" u="none" strike="noStrike" cap="none" normalizeH="0" baseline="0" dirty="0">
+                <a:ln>
+                  <a:noFill/>
+                </a:ln>
+                <a:solidFill>
+                  <a:schemeClr val="tx1"/>
+                </a:solidFill>
+                <a:effectLst/>
+                <a:latin typeface="Arial" panose="020B0604020202020204" pitchFamily="34" charset="0"/>
+              </a:rPr>
+              <a:t>シンプルなUIで学校配布PC・iOSでも快適動作</a:t>
+            </a:r>
+            <a:br>
+              <a:rPr kumimoji="0" lang="ja-JP" altLang="ja-JP" sz="1800" b="0" i="0" u="none" strike="noStrike" cap="none" normalizeH="0" baseline="0" dirty="0">
+                <a:ln>
+                  <a:noFill/>
+                </a:ln>
+                <a:solidFill>
+                  <a:schemeClr val="tx1"/>
+                </a:solidFill>
+                <a:effectLst/>
+                <a:latin typeface="Arial" panose="020B0604020202020204" pitchFamily="34" charset="0"/>
+              </a:rPr>
+            </a:br>
+            <a:r>
+              <a:rPr kumimoji="0" lang="ja-JP" altLang="ja-JP" sz="1800" b="0" i="0" u="none" strike="noStrike" cap="none" normalizeH="0" baseline="0" dirty="0">
+                <a:ln>
+                  <a:noFill/>
+                </a:ln>
+                <a:solidFill>
+                  <a:schemeClr val="tx1"/>
+                </a:solidFill>
+                <a:effectLst/>
+                <a:latin typeface="Arial" panose="020B0604020202020204" pitchFamily="34" charset="0"/>
+              </a:rPr>
+              <a:t>　UIは大きめのボタン・明瞭な配色を採用し、学校配布PCやiPadでも軽快に動作。</a:t>
+            </a:r>
+            <a:br>
+              <a:rPr kumimoji="0" lang="ja-JP" altLang="ja-JP" sz="1800" b="0" i="0" u="none" strike="noStrike" cap="none" normalizeH="0" baseline="0" dirty="0">
+                <a:ln>
+                  <a:noFill/>
+                </a:ln>
+                <a:solidFill>
+                  <a:schemeClr val="tx1"/>
+                </a:solidFill>
+                <a:effectLst/>
+                <a:latin typeface="Arial" panose="020B0604020202020204" pitchFamily="34" charset="0"/>
+              </a:rPr>
+            </a:br>
+            <a:r>
+              <a:rPr kumimoji="0" lang="ja-JP" altLang="ja-JP" sz="1800" b="0" i="0" u="none" strike="noStrike" cap="none" normalizeH="0" baseline="0" dirty="0">
+                <a:ln>
+                  <a:noFill/>
+                </a:ln>
+                <a:solidFill>
+                  <a:schemeClr val="tx1"/>
+                </a:solidFill>
+                <a:effectLst/>
+                <a:latin typeface="Arial" panose="020B0604020202020204" pitchFamily="34" charset="0"/>
+              </a:rPr>
+              <a:t>　html2pdf.jsをiOS Safariでも動作可能な形式に調整し、</a:t>
+            </a:r>
+            <a:br>
+              <a:rPr kumimoji="0" lang="ja-JP" altLang="ja-JP" sz="1800" b="0" i="0" u="none" strike="noStrike" cap="none" normalizeH="0" baseline="0" dirty="0">
+                <a:ln>
+                  <a:noFill/>
+                </a:ln>
+                <a:solidFill>
+                  <a:schemeClr val="tx1"/>
+                </a:solidFill>
+                <a:effectLst/>
+                <a:latin typeface="Arial" panose="020B0604020202020204" pitchFamily="34" charset="0"/>
+              </a:rPr>
+            </a:br>
+            <a:r>
+              <a:rPr kumimoji="0" lang="ja-JP" altLang="ja-JP" sz="1800" b="0" i="0" u="none" strike="noStrike" cap="none" normalizeH="0" baseline="0" dirty="0">
+                <a:ln>
+                  <a:noFill/>
+                </a:ln>
+                <a:solidFill>
+                  <a:schemeClr val="tx1"/>
+                </a:solidFill>
+                <a:effectLst/>
+                <a:latin typeface="Arial" panose="020B0604020202020204" pitchFamily="34" charset="0"/>
+              </a:rPr>
+              <a:t>　全デバイスで統一された操作体験を実現した。</a:t>
             </a:r>
           </a:p>
         </p:txBody>
@@ -3677,132 +3972,491 @@
       </p:sp>
       <p:sp>
         <p:nvSpPr>
-          <p:cNvPr id="3" name="TextBox 2"/>
-          <p:cNvSpPr txBox="1"/>
+          <p:cNvPr id="4" name="Rectangle 1">
+            <a:extLst>
+              <a:ext uri="{FF2B5EF4-FFF2-40B4-BE49-F238E27FC236}">
+                <a16:creationId xmlns:a16="http://schemas.microsoft.com/office/drawing/2014/main" id="{60794DD9-43B2-37D8-A7C5-870C240AB540}"/>
+              </a:ext>
+            </a:extLst>
+          </p:cNvPr>
+          <p:cNvSpPr>
+            <a:spLocks noChangeArrowheads="1"/>
+          </p:cNvSpPr>
           <p:nvPr/>
         </p:nvSpPr>
-        <p:spPr>
+        <p:spPr bwMode="auto">
           <a:xfrm>
-            <a:off x="914400" y="1645920"/>
-            <a:ext cx="6003567" cy="1985159"/>
+            <a:off x="212299" y="1455240"/>
+            <a:ext cx="8865704" cy="4801314"/>
           </a:xfrm>
           <a:prstGeom prst="rect">
             <a:avLst/>
           </a:prstGeom>
           <a:noFill/>
+          <a:ln>
+            <a:noFill/>
+          </a:ln>
+          <a:effectLst/>
+          <a:extLst>
+            <a:ext uri="{909E8E84-426E-40DD-AFC4-6F175D3DCCD1}">
+              <a14:hiddenFill xmlns:a14="http://schemas.microsoft.com/office/drawing/2010/main">
+                <a:solidFill>
+                  <a:schemeClr val="accent1"/>
+                </a:solidFill>
+              </a14:hiddenFill>
+            </a:ext>
+            <a:ext uri="{91240B29-F687-4F45-9708-019B960494DF}">
+              <a14:hiddenLine xmlns:a14="http://schemas.microsoft.com/office/drawing/2010/main" w="9525">
+                <a:solidFill>
+                  <a:schemeClr val="tx1"/>
+                </a:solidFill>
+                <a:miter lim="800000"/>
+                <a:headEnd/>
+                <a:tailEnd/>
+              </a14:hiddenLine>
+            </a:ext>
+            <a:ext uri="{AF507438-7753-43E0-B8FC-AC1667EBCBE1}">
+              <a14:hiddenEffects xmlns:a14="http://schemas.microsoft.com/office/drawing/2010/main">
+                <a:effectLst>
+                  <a:outerShdw dist="35921" dir="2700000" algn="ctr" rotWithShape="0">
+                    <a:schemeClr val="bg2"/>
+                  </a:outerShdw>
+                </a:effectLst>
+              </a14:hiddenEffects>
+            </a:ext>
+          </a:extLst>
         </p:spPr>
         <p:txBody>
-          <a:bodyPr wrap="square">
+          <a:bodyPr vert="horz" wrap="square" lIns="91440" tIns="45720" rIns="91440" bIns="45720" numCol="1" anchor="ctr" anchorCtr="0" compatLnSpc="1">
+            <a:prstTxWarp prst="textNoShape">
+              <a:avLst/>
+            </a:prstTxWarp>
             <a:spAutoFit/>
           </a:bodyPr>
           <a:lstStyle/>
           <a:p>
-            <a:endParaRPr dirty="0">
-              <a:latin typeface="MS P"/>
-            </a:endParaRPr>
-          </a:p>
-          <a:p>
-            <a:pPr>
+            <a:pPr marL="0" marR="0" lvl="0" indent="0" algn="l" defTabSz="914400" rtl="0" eaLnBrk="0" fontAlgn="base" latinLnBrk="0" hangingPunct="0">
+              <a:lnSpc>
+                <a:spcPct val="100000"/>
+              </a:lnSpc>
+              <a:spcBef>
+                <a:spcPct val="0"/>
+              </a:spcBef>
               <a:spcAft>
-                <a:spcPts val="1000"/>
+                <a:spcPct val="0"/>
               </a:spcAft>
-              <a:defRPr sz="2000">
-                <a:latin typeface="メイリオ"/>
-              </a:defRPr>
+              <a:buClrTx/>
+              <a:buSzTx/>
+              <a:buFontTx/>
+              <a:buChar char="•"/>
+              <a:tabLst/>
             </a:pPr>
             <a:r>
-              <a:rPr dirty="0">
-                <a:latin typeface="MS P"/>
-              </a:rPr>
-              <a:t>・Firebase </a:t>
-            </a:r>
-            <a:r>
-              <a:rPr dirty="0" err="1">
-                <a:latin typeface="MS P"/>
-              </a:rPr>
-              <a:t>Firestore対応によるリアルタイム連携</a:t>
-            </a:r>
-            <a:endParaRPr dirty="0">
-              <a:latin typeface="MS P"/>
-            </a:endParaRPr>
-          </a:p>
-          <a:p>
-            <a:pPr>
+              <a:rPr kumimoji="0" lang="ja-JP" altLang="ja-JP" sz="1800" b="1" i="0" u="none" strike="noStrike" cap="none" normalizeH="0" baseline="0" dirty="0">
+                <a:ln>
+                  <a:noFill/>
+                </a:ln>
+                <a:solidFill>
+                  <a:schemeClr val="tx1"/>
+                </a:solidFill>
+                <a:effectLst/>
+                <a:latin typeface="Arial" panose="020B0604020202020204" pitchFamily="34" charset="0"/>
+              </a:rPr>
+              <a:t>Firebase Firestore対応によるリアルタイム連携</a:t>
+            </a:r>
+            <a:br>
+              <a:rPr kumimoji="0" lang="ja-JP" altLang="ja-JP" sz="1800" b="0" i="0" u="none" strike="noStrike" cap="none" normalizeH="0" baseline="0" dirty="0">
+                <a:ln>
+                  <a:noFill/>
+                </a:ln>
+                <a:solidFill>
+                  <a:schemeClr val="tx1"/>
+                </a:solidFill>
+                <a:effectLst/>
+                <a:latin typeface="Arial" panose="020B0604020202020204" pitchFamily="34" charset="0"/>
+              </a:rPr>
+            </a:br>
+            <a:r>
+              <a:rPr kumimoji="0" lang="ja-JP" altLang="ja-JP" sz="1800" b="0" i="0" u="none" strike="noStrike" cap="none" normalizeH="0" baseline="0" dirty="0">
+                <a:ln>
+                  <a:noFill/>
+                </a:ln>
+                <a:solidFill>
+                  <a:schemeClr val="tx1"/>
+                </a:solidFill>
+                <a:effectLst/>
+                <a:latin typeface="Arial" panose="020B0604020202020204" pitchFamily="34" charset="0"/>
+              </a:rPr>
+              <a:t>　既存のローカルDBをFirestoreに移行し、クラウド上で生徒・担任・管理者間のデータを即時同期。</a:t>
+            </a:r>
+            <a:br>
+              <a:rPr kumimoji="0" lang="ja-JP" altLang="ja-JP" sz="1800" b="0" i="0" u="none" strike="noStrike" cap="none" normalizeH="0" baseline="0" dirty="0">
+                <a:ln>
+                  <a:noFill/>
+                </a:ln>
+                <a:solidFill>
+                  <a:schemeClr val="tx1"/>
+                </a:solidFill>
+                <a:effectLst/>
+                <a:latin typeface="Arial" panose="020B0604020202020204" pitchFamily="34" charset="0"/>
+              </a:rPr>
+            </a:br>
+            <a:r>
+              <a:rPr kumimoji="0" lang="ja-JP" altLang="ja-JP" sz="1800" b="0" i="0" u="none" strike="noStrike" cap="none" normalizeH="0" baseline="0" dirty="0">
+                <a:ln>
+                  <a:noFill/>
+                </a:ln>
+                <a:solidFill>
+                  <a:schemeClr val="tx1"/>
+                </a:solidFill>
+                <a:effectLst/>
+                <a:latin typeface="Arial" panose="020B0604020202020204" pitchFamily="34" charset="0"/>
+              </a:rPr>
+              <a:t>　提出・ログ・予約など全イベントをリアルタイムで反映できるように設計し、</a:t>
+            </a:r>
+            <a:br>
+              <a:rPr kumimoji="0" lang="ja-JP" altLang="ja-JP" sz="1800" b="0" i="0" u="none" strike="noStrike" cap="none" normalizeH="0" baseline="0" dirty="0">
+                <a:ln>
+                  <a:noFill/>
+                </a:ln>
+                <a:solidFill>
+                  <a:schemeClr val="tx1"/>
+                </a:solidFill>
+                <a:effectLst/>
+                <a:latin typeface="Arial" panose="020B0604020202020204" pitchFamily="34" charset="0"/>
+              </a:rPr>
+            </a:br>
+            <a:r>
+              <a:rPr kumimoji="0" lang="ja-JP" altLang="ja-JP" sz="1800" b="0" i="0" u="none" strike="noStrike" cap="none" normalizeH="0" baseline="0" dirty="0">
+                <a:ln>
+                  <a:noFill/>
+                </a:ln>
+                <a:solidFill>
+                  <a:schemeClr val="tx1"/>
+                </a:solidFill>
+                <a:effectLst/>
+                <a:latin typeface="Arial" panose="020B0604020202020204" pitchFamily="34" charset="0"/>
+              </a:rPr>
+              <a:t>　複数端末で同時アクセスしても整合性を保つアーキテクチャを採用。</a:t>
+            </a:r>
+          </a:p>
+          <a:p>
+            <a:pPr marL="0" marR="0" lvl="0" indent="0" algn="l" defTabSz="914400" rtl="0" eaLnBrk="0" fontAlgn="base" latinLnBrk="0" hangingPunct="0">
+              <a:lnSpc>
+                <a:spcPct val="100000"/>
+              </a:lnSpc>
+              <a:spcBef>
+                <a:spcPct val="0"/>
+              </a:spcBef>
               <a:spcAft>
-                <a:spcPts val="1000"/>
+                <a:spcPct val="0"/>
               </a:spcAft>
-              <a:defRPr sz="2000">
-                <a:latin typeface="メイリオ"/>
-              </a:defRPr>
+              <a:buClrTx/>
+              <a:buSzTx/>
+              <a:buFontTx/>
+              <a:buChar char="•"/>
+              <a:tabLst/>
             </a:pPr>
             <a:r>
-              <a:rPr dirty="0">
-                <a:latin typeface="MS P"/>
-              </a:rPr>
-              <a:t>・</a:t>
-            </a:r>
-            <a:r>
-              <a:rPr dirty="0" err="1">
-                <a:latin typeface="MS P"/>
-              </a:rPr>
-              <a:t>Push通知（FCM）で提出リマインド</a:t>
-            </a:r>
-            <a:endParaRPr dirty="0">
-              <a:latin typeface="MS P"/>
-            </a:endParaRPr>
-          </a:p>
-          <a:p>
-            <a:pPr>
+              <a:rPr kumimoji="0" lang="ja-JP" altLang="ja-JP" sz="1800" b="1" i="0" u="none" strike="noStrike" cap="none" normalizeH="0" baseline="0" dirty="0">
+                <a:ln>
+                  <a:noFill/>
+                </a:ln>
+                <a:solidFill>
+                  <a:schemeClr val="tx1"/>
+                </a:solidFill>
+                <a:effectLst/>
+                <a:latin typeface="Arial" panose="020B0604020202020204" pitchFamily="34" charset="0"/>
+              </a:rPr>
+              <a:t>Push通知（FCM）による提出リマインド</a:t>
+            </a:r>
+            <a:br>
+              <a:rPr kumimoji="0" lang="ja-JP" altLang="ja-JP" sz="1800" b="0" i="0" u="none" strike="noStrike" cap="none" normalizeH="0" baseline="0" dirty="0">
+                <a:ln>
+                  <a:noFill/>
+                </a:ln>
+                <a:solidFill>
+                  <a:schemeClr val="tx1"/>
+                </a:solidFill>
+                <a:effectLst/>
+                <a:latin typeface="Arial" panose="020B0604020202020204" pitchFamily="34" charset="0"/>
+              </a:rPr>
+            </a:br>
+            <a:r>
+              <a:rPr kumimoji="0" lang="ja-JP" altLang="ja-JP" sz="1800" b="0" i="0" u="none" strike="noStrike" cap="none" normalizeH="0" baseline="0" dirty="0">
+                <a:ln>
+                  <a:noFill/>
+                </a:ln>
+                <a:solidFill>
+                  <a:schemeClr val="tx1"/>
+                </a:solidFill>
+                <a:effectLst/>
+                <a:latin typeface="Arial" panose="020B0604020202020204" pitchFamily="34" charset="0"/>
+              </a:rPr>
+              <a:t>　Firebase Cloud Messaging（FCM）を活用し、未提出者に自動通知を送信。</a:t>
+            </a:r>
+            <a:br>
+              <a:rPr kumimoji="0" lang="ja-JP" altLang="ja-JP" sz="1800" b="0" i="0" u="none" strike="noStrike" cap="none" normalizeH="0" baseline="0" dirty="0">
+                <a:ln>
+                  <a:noFill/>
+                </a:ln>
+                <a:solidFill>
+                  <a:schemeClr val="tx1"/>
+                </a:solidFill>
+                <a:effectLst/>
+                <a:latin typeface="Arial" panose="020B0604020202020204" pitchFamily="34" charset="0"/>
+              </a:rPr>
+            </a:br>
+            <a:r>
+              <a:rPr kumimoji="0" lang="ja-JP" altLang="ja-JP" sz="1800" b="0" i="0" u="none" strike="noStrike" cap="none" normalizeH="0" baseline="0" dirty="0">
+                <a:ln>
+                  <a:noFill/>
+                </a:ln>
+                <a:solidFill>
+                  <a:schemeClr val="tx1"/>
+                </a:solidFill>
+                <a:effectLst/>
+                <a:latin typeface="Arial" panose="020B0604020202020204" pitchFamily="34" charset="0"/>
+              </a:rPr>
+              <a:t>　「朝の提出忘れ防止」や「担任からの再通知」にも利用でき、</a:t>
+            </a:r>
+            <a:br>
+              <a:rPr kumimoji="0" lang="ja-JP" altLang="ja-JP" sz="1800" b="0" i="0" u="none" strike="noStrike" cap="none" normalizeH="0" baseline="0" dirty="0">
+                <a:ln>
+                  <a:noFill/>
+                </a:ln>
+                <a:solidFill>
+                  <a:schemeClr val="tx1"/>
+                </a:solidFill>
+                <a:effectLst/>
+                <a:latin typeface="Arial" panose="020B0604020202020204" pitchFamily="34" charset="0"/>
+              </a:rPr>
+            </a:br>
+            <a:r>
+              <a:rPr kumimoji="0" lang="ja-JP" altLang="ja-JP" sz="1800" b="0" i="0" u="none" strike="noStrike" cap="none" normalizeH="0" baseline="0" dirty="0">
+                <a:ln>
+                  <a:noFill/>
+                </a:ln>
+                <a:solidFill>
+                  <a:schemeClr val="tx1"/>
+                </a:solidFill>
+                <a:effectLst/>
+                <a:latin typeface="Arial" panose="020B0604020202020204" pitchFamily="34" charset="0"/>
+              </a:rPr>
+              <a:t>　従来の手動呼びかけをシステム化。提出率の向上に貢献した。</a:t>
+            </a:r>
+          </a:p>
+          <a:p>
+            <a:pPr marL="0" marR="0" lvl="0" indent="0" algn="l" defTabSz="914400" rtl="0" eaLnBrk="0" fontAlgn="base" latinLnBrk="0" hangingPunct="0">
+              <a:lnSpc>
+                <a:spcPct val="100000"/>
+              </a:lnSpc>
+              <a:spcBef>
+                <a:spcPct val="0"/>
+              </a:spcBef>
               <a:spcAft>
-                <a:spcPts val="1000"/>
+                <a:spcPct val="0"/>
               </a:spcAft>
-              <a:defRPr sz="2000">
-                <a:latin typeface="メイリオ"/>
-              </a:defRPr>
+              <a:buClrTx/>
+              <a:buSzTx/>
+              <a:buFontTx/>
+              <a:buChar char="•"/>
+              <a:tabLst/>
             </a:pPr>
             <a:r>
-              <a:rPr dirty="0">
-                <a:latin typeface="MS P"/>
-              </a:rPr>
-              <a:t>・</a:t>
-            </a:r>
-            <a:r>
-              <a:rPr dirty="0" err="1">
-                <a:latin typeface="MS P"/>
-              </a:rPr>
-              <a:t>週次自動PDFレポート生成機能（担任向け</a:t>
-            </a:r>
-            <a:r>
-              <a:rPr dirty="0">
-                <a:latin typeface="MS P"/>
-              </a:rPr>
-              <a:t>）</a:t>
-            </a:r>
-          </a:p>
-          <a:p>
-            <a:pPr>
+              <a:rPr kumimoji="0" lang="ja-JP" altLang="ja-JP" sz="1800" b="1" i="0" u="none" strike="noStrike" cap="none" normalizeH="0" baseline="0" dirty="0">
+                <a:ln>
+                  <a:noFill/>
+                </a:ln>
+                <a:solidFill>
+                  <a:schemeClr val="tx1"/>
+                </a:solidFill>
+                <a:effectLst/>
+                <a:latin typeface="Arial" panose="020B0604020202020204" pitchFamily="34" charset="0"/>
+              </a:rPr>
+              <a:t>週次自動PDFレポート生成機能（担任向け）</a:t>
+            </a:r>
+            <a:br>
+              <a:rPr kumimoji="0" lang="ja-JP" altLang="ja-JP" sz="1800" b="0" i="0" u="none" strike="noStrike" cap="none" normalizeH="0" baseline="0" dirty="0">
+                <a:ln>
+                  <a:noFill/>
+                </a:ln>
+                <a:solidFill>
+                  <a:schemeClr val="tx1"/>
+                </a:solidFill>
+                <a:effectLst/>
+                <a:latin typeface="Arial" panose="020B0604020202020204" pitchFamily="34" charset="0"/>
+              </a:rPr>
+            </a:br>
+            <a:r>
+              <a:rPr kumimoji="0" lang="ja-JP" altLang="ja-JP" sz="1800" b="0" i="0" u="none" strike="noStrike" cap="none" normalizeH="0" baseline="0" dirty="0">
+                <a:ln>
+                  <a:noFill/>
+                </a:ln>
+                <a:solidFill>
+                  <a:schemeClr val="tx1"/>
+                </a:solidFill>
+                <a:effectLst/>
+                <a:latin typeface="Arial" panose="020B0604020202020204" pitchFamily="34" charset="0"/>
+              </a:rPr>
+              <a:t>　html2pdf.jsとCron処理を組み合わせ、担任ごとに週次レポートを自動生成。</a:t>
+            </a:r>
+            <a:br>
+              <a:rPr kumimoji="0" lang="ja-JP" altLang="ja-JP" sz="1800" b="0" i="0" u="none" strike="noStrike" cap="none" normalizeH="0" baseline="0" dirty="0">
+                <a:ln>
+                  <a:noFill/>
+                </a:ln>
+                <a:solidFill>
+                  <a:schemeClr val="tx1"/>
+                </a:solidFill>
+                <a:effectLst/>
+                <a:latin typeface="Arial" panose="020B0604020202020204" pitchFamily="34" charset="0"/>
+              </a:rPr>
+            </a:br>
+            <a:r>
+              <a:rPr kumimoji="0" lang="ja-JP" altLang="ja-JP" sz="1800" b="0" i="0" u="none" strike="noStrike" cap="none" normalizeH="0" baseline="0" dirty="0">
+                <a:ln>
+                  <a:noFill/>
+                </a:ln>
+                <a:solidFill>
+                  <a:schemeClr val="tx1"/>
+                </a:solidFill>
+                <a:effectLst/>
+                <a:latin typeface="Arial" panose="020B0604020202020204" pitchFamily="34" charset="0"/>
+              </a:rPr>
+              <a:t>　提出率・平均体調・コメント抜粋などを含む週報PDFをメール配信できる仕組みを設計。</a:t>
+            </a:r>
+            <a:br>
+              <a:rPr kumimoji="0" lang="ja-JP" altLang="ja-JP" sz="1800" b="0" i="0" u="none" strike="noStrike" cap="none" normalizeH="0" baseline="0" dirty="0">
+                <a:ln>
+                  <a:noFill/>
+                </a:ln>
+                <a:solidFill>
+                  <a:schemeClr val="tx1"/>
+                </a:solidFill>
+                <a:effectLst/>
+                <a:latin typeface="Arial" panose="020B0604020202020204" pitchFamily="34" charset="0"/>
+              </a:rPr>
+            </a:br>
+            <a:r>
+              <a:rPr kumimoji="0" lang="ja-JP" altLang="ja-JP" sz="1800" b="0" i="0" u="none" strike="noStrike" cap="none" normalizeH="0" baseline="0" dirty="0">
+                <a:ln>
+                  <a:noFill/>
+                </a:ln>
+                <a:solidFill>
+                  <a:schemeClr val="tx1"/>
+                </a:solidFill>
+                <a:effectLst/>
+                <a:latin typeface="Arial" panose="020B0604020202020204" pitchFamily="34" charset="0"/>
+              </a:rPr>
+              <a:t>　手作業での集計を自動化し、業務効率を大幅に改善。</a:t>
+            </a:r>
+          </a:p>
+          <a:p>
+            <a:pPr marL="0" marR="0" lvl="0" indent="0" algn="l" defTabSz="914400" rtl="0" eaLnBrk="0" fontAlgn="base" latinLnBrk="0" hangingPunct="0">
+              <a:lnSpc>
+                <a:spcPct val="100000"/>
+              </a:lnSpc>
+              <a:spcBef>
+                <a:spcPct val="0"/>
+              </a:spcBef>
               <a:spcAft>
-                <a:spcPts val="1000"/>
+                <a:spcPct val="0"/>
               </a:spcAft>
-              <a:defRPr sz="2000">
-                <a:latin typeface="メイリオ"/>
-              </a:defRPr>
+              <a:buClrTx/>
+              <a:buSzTx/>
+              <a:buFontTx/>
+              <a:buChar char="•"/>
+              <a:tabLst/>
             </a:pPr>
             <a:r>
-              <a:rPr dirty="0">
-                <a:latin typeface="MS P"/>
-              </a:rPr>
-              <a:t>・</a:t>
-            </a:r>
-            <a:r>
-              <a:rPr dirty="0" err="1">
-                <a:latin typeface="MS P"/>
+              <a:rPr kumimoji="0" lang="ja-JP" altLang="ja-JP" sz="1800" b="1" i="0" u="none" strike="noStrike" cap="none" normalizeH="0" baseline="0" dirty="0">
+                <a:ln>
+                  <a:noFill/>
+                </a:ln>
+                <a:solidFill>
+                  <a:schemeClr val="tx1"/>
+                </a:solidFill>
+                <a:effectLst/>
+                <a:latin typeface="Arial" panose="020B0604020202020204" pitchFamily="34" charset="0"/>
               </a:rPr>
               <a:t>ログフィルター強化と統計グラフの追加</a:t>
             </a:r>
-            <a:endParaRPr dirty="0">
-              <a:latin typeface="MS P"/>
-            </a:endParaRPr>
+            <a:br>
+              <a:rPr kumimoji="0" lang="ja-JP" altLang="ja-JP" sz="1800" b="0" i="0" u="none" strike="noStrike" cap="none" normalizeH="0" baseline="0" dirty="0">
+                <a:ln>
+                  <a:noFill/>
+                </a:ln>
+                <a:solidFill>
+                  <a:schemeClr val="tx1"/>
+                </a:solidFill>
+                <a:effectLst/>
+                <a:latin typeface="Arial" panose="020B0604020202020204" pitchFamily="34" charset="0"/>
+              </a:rPr>
+            </a:br>
+            <a:r>
+              <a:rPr kumimoji="0" lang="ja-JP" altLang="ja-JP" sz="1800" b="0" i="0" u="none" strike="noStrike" cap="none" normalizeH="0" baseline="0" dirty="0">
+                <a:ln>
+                  <a:noFill/>
+                </a:ln>
+                <a:solidFill>
+                  <a:schemeClr val="tx1"/>
+                </a:solidFill>
+                <a:effectLst/>
+                <a:latin typeface="Arial" panose="020B0604020202020204" pitchFamily="34" charset="0"/>
+              </a:rPr>
+              <a:t>　管理者画面では、操作ログを「日付・種別・ユーザーID」など複合条件で検索可能に。</a:t>
+            </a:r>
+            <a:br>
+              <a:rPr kumimoji="0" lang="ja-JP" altLang="ja-JP" sz="1800" b="0" i="0" u="none" strike="noStrike" cap="none" normalizeH="0" baseline="0" dirty="0">
+                <a:ln>
+                  <a:noFill/>
+                </a:ln>
+                <a:solidFill>
+                  <a:schemeClr val="tx1"/>
+                </a:solidFill>
+                <a:effectLst/>
+                <a:latin typeface="Arial" panose="020B0604020202020204" pitchFamily="34" charset="0"/>
+              </a:rPr>
+            </a:br>
+            <a:r>
+              <a:rPr kumimoji="0" lang="ja-JP" altLang="ja-JP" sz="1800" b="0" i="0" u="none" strike="noStrike" cap="none" normalizeH="0" baseline="0" dirty="0">
+                <a:ln>
+                  <a:noFill/>
+                </a:ln>
+                <a:solidFill>
+                  <a:schemeClr val="tx1"/>
+                </a:solidFill>
+                <a:effectLst/>
+                <a:latin typeface="Arial" panose="020B0604020202020204" pitchFamily="34" charset="0"/>
+              </a:rPr>
+              <a:t>　また、Chart.jsによる操作種別ごとの統計グラフを追加し、</a:t>
+            </a:r>
+            <a:br>
+              <a:rPr kumimoji="0" lang="ja-JP" altLang="ja-JP" sz="1800" b="0" i="0" u="none" strike="noStrike" cap="none" normalizeH="0" baseline="0" dirty="0">
+                <a:ln>
+                  <a:noFill/>
+                </a:ln>
+                <a:solidFill>
+                  <a:schemeClr val="tx1"/>
+                </a:solidFill>
+                <a:effectLst/>
+                <a:latin typeface="Arial" panose="020B0604020202020204" pitchFamily="34" charset="0"/>
+              </a:rPr>
+            </a:br>
+            <a:r>
+              <a:rPr kumimoji="0" lang="ja-JP" altLang="ja-JP" sz="1800" b="0" i="0" u="none" strike="noStrike" cap="none" normalizeH="0" baseline="0" dirty="0">
+                <a:ln>
+                  <a:noFill/>
+                </a:ln>
+                <a:solidFill>
+                  <a:schemeClr val="tx1"/>
+                </a:solidFill>
+                <a:effectLst/>
+                <a:latin typeface="Arial" panose="020B0604020202020204" pitchFamily="34" charset="0"/>
+              </a:rPr>
+              <a:t>　システム利用傾向やトラブル発生時の分析を行いやすくした。</a:t>
+            </a:r>
           </a:p>
         </p:txBody>
       </p:sp>
@@ -4079,7 +4733,7 @@
         <p:spPr>
           <a:xfrm>
             <a:off x="356616" y="1304878"/>
-            <a:ext cx="8230265" cy="4031873"/>
+            <a:ext cx="8230265" cy="4524315"/>
           </a:xfrm>
           <a:prstGeom prst="rect">
             <a:avLst/>
@@ -4341,14 +4995,33 @@
                 <a:latin typeface="+mj-ea"/>
                 <a:ea typeface="+mj-ea"/>
               </a:rPr>
-              <a:t>に挑戦していきたいと考えて</a:t>
-            </a:r>
-            <a:r>
-              <a:rPr lang="ja-JP" altLang="en-US" sz="1600">
+              <a:t>に挑戦していきたいと考えています。</a:t>
+            </a:r>
+            <a:endParaRPr lang="en-US" altLang="ja-JP" sz="1600" dirty="0">
+              <a:latin typeface="+mj-ea"/>
+              <a:ea typeface="+mj-ea"/>
+            </a:endParaRPr>
+          </a:p>
+          <a:p>
+            <a:endParaRPr lang="en-US" altLang="ja-JP" sz="1600" dirty="0">
+              <a:latin typeface="+mj-ea"/>
+              <a:ea typeface="+mj-ea"/>
+            </a:endParaRPr>
+          </a:p>
+          <a:p>
+            <a:r>
+              <a:rPr lang="ja-JP" altLang="en-US" sz="1600" dirty="0">
                 <a:latin typeface="+mj-ea"/>
                 <a:ea typeface="+mj-ea"/>
               </a:rPr>
-              <a:t>います。</a:t>
+              <a:t>アクセス</a:t>
+            </a:r>
+            <a:r>
+              <a:rPr lang="en-US" altLang="ja-JP" sz="1600" dirty="0" err="1">
+                <a:latin typeface="+mj-ea"/>
+                <a:ea typeface="+mj-ea"/>
+              </a:rPr>
+              <a:t>URLはアプリケーションマニュアル参照</a:t>
             </a:r>
             <a:endParaRPr lang="en-US" altLang="ja-JP" sz="1600" dirty="0">
               <a:latin typeface="+mj-ea"/>
